--- a/InvestmentAnalysisDetailedReport.pptx
+++ b/InvestmentAnalysisDetailedReport.pptx
@@ -423,7 +423,7 @@
             <a:fld id="{E3DF2413-5053-4A39-8B0D-54AB9E1AFA72}" type="datetimeFigureOut">
               <a:rPr lang="en-US" smtClean="0"/>
               <a:pPr/>
-              <a:t>5/27/2023</a:t>
+              <a:t>6/25/2023</a:t>
             </a:fld>
             <a:endParaRPr lang="en-US"/>
           </a:p>
@@ -590,7 +590,7 @@
             <a:fld id="{E3DF2413-5053-4A39-8B0D-54AB9E1AFA72}" type="datetimeFigureOut">
               <a:rPr lang="en-US" smtClean="0"/>
               <a:pPr/>
-              <a:t>5/27/2023</a:t>
+              <a:t>6/25/2023</a:t>
             </a:fld>
             <a:endParaRPr lang="en-US"/>
           </a:p>
@@ -767,7 +767,7 @@
             <a:fld id="{E3DF2413-5053-4A39-8B0D-54AB9E1AFA72}" type="datetimeFigureOut">
               <a:rPr lang="en-US" smtClean="0"/>
               <a:pPr/>
-              <a:t>5/27/2023</a:t>
+              <a:t>6/25/2023</a:t>
             </a:fld>
             <a:endParaRPr lang="en-US"/>
           </a:p>
@@ -916,7 +916,7 @@
             <a:fld id="{E3DF2413-5053-4A39-8B0D-54AB9E1AFA72}" type="datetimeFigureOut">
               <a:rPr lang="en-US" smtClean="0"/>
               <a:pPr/>
-              <a:t>5/27/2023</a:t>
+              <a:t>6/25/2023</a:t>
             </a:fld>
             <a:endParaRPr lang="en-US"/>
           </a:p>
@@ -1035,7 +1035,7 @@
             <a:fld id="{E3DF2413-5053-4A39-8B0D-54AB9E1AFA72}" type="datetimeFigureOut">
               <a:rPr lang="en-US" smtClean="0"/>
               <a:pPr/>
-              <a:t>5/27/2023</a:t>
+              <a:t>6/25/2023</a:t>
             </a:fld>
             <a:endParaRPr lang="en-US"/>
           </a:p>
@@ -1307,7 +1307,7 @@
             <a:fld id="{E3DF2413-5053-4A39-8B0D-54AB9E1AFA72}" type="datetimeFigureOut">
               <a:rPr lang="en-US" smtClean="0"/>
               <a:pPr/>
-              <a:t>5/27/2023</a:t>
+              <a:t>6/25/2023</a:t>
             </a:fld>
             <a:endParaRPr lang="en-US"/>
           </a:p>
@@ -1579,7 +1579,7 @@
             <a:fld id="{E3DF2413-5053-4A39-8B0D-54AB9E1AFA72}" type="datetimeFigureOut">
               <a:rPr lang="en-US" smtClean="0"/>
               <a:pPr/>
-              <a:t>5/27/2023</a:t>
+              <a:t>6/25/2023</a:t>
             </a:fld>
             <a:endParaRPr lang="en-US"/>
           </a:p>
@@ -2027,7 +2027,7 @@
             <a:fld id="{E3DF2413-5053-4A39-8B0D-54AB9E1AFA72}" type="datetimeFigureOut">
               <a:rPr lang="en-US" smtClean="0"/>
               <a:pPr/>
-              <a:t>5/27/2023</a:t>
+              <a:t>6/25/2023</a:t>
             </a:fld>
             <a:endParaRPr lang="en-US"/>
           </a:p>
@@ -2142,7 +2142,7 @@
             <a:fld id="{E3DF2413-5053-4A39-8B0D-54AB9E1AFA72}" type="datetimeFigureOut">
               <a:rPr lang="en-US" smtClean="0"/>
               <a:pPr/>
-              <a:t>5/27/2023</a:t>
+              <a:t>6/25/2023</a:t>
             </a:fld>
             <a:endParaRPr lang="en-US"/>
           </a:p>
@@ -2394,7 +2394,7 @@
             <a:fld id="{E3DF2413-5053-4A39-8B0D-54AB9E1AFA72}" type="datetimeFigureOut">
               <a:rPr lang="en-US" smtClean="0"/>
               <a:pPr/>
-              <a:t>5/27/2023</a:t>
+              <a:t>6/25/2023</a:t>
             </a:fld>
             <a:endParaRPr lang="en-US"/>
           </a:p>
@@ -2636,7 +2636,7 @@
             <a:fld id="{E3DF2413-5053-4A39-8B0D-54AB9E1AFA72}" type="datetimeFigureOut">
               <a:rPr lang="en-US" smtClean="0"/>
               <a:pPr/>
-              <a:t>5/27/2023</a:t>
+              <a:t>6/25/2023</a:t>
             </a:fld>
             <a:endParaRPr lang="en-US"/>
           </a:p>
@@ -2811,7 +2811,7 @@
             <a:fld id="{E3DF2413-5053-4A39-8B0D-54AB9E1AFA72}" type="datetimeFigureOut">
               <a:rPr lang="en-US" smtClean="0"/>
               <a:pPr/>
-              <a:t>5/27/2023</a:t>
+              <a:t>6/25/2023</a:t>
             </a:fld>
             <a:endParaRPr lang="en-US"/>
           </a:p>
@@ -3501,6 +3501,44 @@
               <a:t>THANK YOU </a:t>
             </a:r>
             <a:endParaRPr lang="en-US" b="1" dirty="0"/>
+          </a:p>
+        </p:txBody>
+      </p:sp>
+      <p:sp>
+        <p:nvSpPr>
+          <p:cNvPr id="2" name="TextBox 1"/>
+          <p:cNvSpPr txBox="1"/>
+          <p:nvPr/>
+        </p:nvSpPr>
+        <p:spPr>
+          <a:xfrm>
+            <a:off x="1979712" y="4149080"/>
+            <a:ext cx="5904656" cy="923330"/>
+          </a:xfrm>
+          <a:prstGeom prst="rect">
+            <a:avLst/>
+          </a:prstGeom>
+          <a:noFill/>
+        </p:spPr>
+        <p:txBody>
+          <a:bodyPr wrap="square" rtlCol="0">
+            <a:spAutoFit/>
+          </a:bodyPr>
+          <a:lstStyle/>
+          <a:p>
+            <a:r>
+              <a:rPr lang="en-US" dirty="0" smtClean="0"/>
+              <a:t>Reference</a:t>
+            </a:r>
+          </a:p>
+          <a:p>
+            <a:r>
+              <a:rPr lang="en-IN" dirty="0">
+                <a:hlinkClick r:id="rId2"/>
+              </a:rPr>
+              <a:t>https://app.powerbi.com/links/1Zj6ytKblh?ctid=897f5385-e329-4627-a9b9-dbf5ccd74824&amp;pbi_source=linkShare</a:t>
+            </a:r>
+            <a:endParaRPr lang="en-IN" dirty="0"/>
           </a:p>
         </p:txBody>
       </p:sp>
@@ -4826,11 +4864,7 @@
           <a:p>
             <a:r>
               <a:rPr lang="en-IN" dirty="0" smtClean="0"/>
-              <a:t>Sector </a:t>
-            </a:r>
-            <a:r>
-              <a:rPr lang="en-IN" dirty="0" smtClean="0"/>
-              <a:t>Wise Analysis</a:t>
+              <a:t>Sector Wise Analysis</a:t>
             </a:r>
             <a:endParaRPr lang="en-US" dirty="0"/>
           </a:p>
